--- a/02_CPP/doc/02_CPP_SourcehanCodeJP.pptx
+++ b/02_CPP/doc/02_CPP_SourcehanCodeJP.pptx
@@ -5,10 +5,10 @@
     <p:sldMasterId id="2147483648" r:id="rId1"/>
   </p:sldMasterIdLst>
   <p:notesMasterIdLst>
-    <p:notesMasterId r:id="rId35"/>
+    <p:notesMasterId r:id="rId36"/>
   </p:notesMasterIdLst>
   <p:handoutMasterIdLst>
-    <p:handoutMasterId r:id="rId36"/>
+    <p:handoutMasterId r:id="rId37"/>
   </p:handoutMasterIdLst>
   <p:sldIdLst>
     <p:sldId id="256" r:id="rId2"/>
@@ -44,6 +44,7 @@
     <p:sldId id="295" r:id="rId32"/>
     <p:sldId id="302" r:id="rId33"/>
     <p:sldId id="275" r:id="rId34"/>
+    <p:sldId id="303" r:id="rId35"/>
   </p:sldIdLst>
   <p:sldSz cx="12192000" cy="6858000"/>
   <p:notesSz cx="6858000" cy="9144000"/>
@@ -192,6 +193,7 @@
             <p14:sldId id="295"/>
             <p14:sldId id="302"/>
             <p14:sldId id="275"/>
+            <p14:sldId id="303"/>
           </p14:sldIdLst>
         </p14:section>
       </p14:sectionLst>
@@ -300,7 +302,7 @@
           <a:p>
             <a:fld id="{18AB8E09-BA9E-48C8-97A5-EF769E689C9E}" type="datetimeFigureOut">
               <a:rPr lang="en-US" smtClean="0"/>
-              <a:t>4/25/2023</a:t>
+              <a:t>7/3/23</a:t>
             </a:fld>
             <a:endParaRPr lang="en-US"/>
           </a:p>
@@ -477,7 +479,7 @@
           <a:p>
             <a:fld id="{75778EB7-7047-4C32-86BD-F602C43C08C1}" type="datetimeFigureOut">
               <a:rPr lang="en-US" smtClean="0"/>
-              <a:t>4/25/2023</a:t>
+              <a:t>7/3/23</a:t>
             </a:fld>
             <a:endParaRPr lang="en-US"/>
           </a:p>
@@ -31016,6 +31018,119 @@
 </p:sld>
 </file>
 
+<file path=ppt/slides/slide34.xml><?xml version="1.0" encoding="utf-8"?>
+<p:sld xmlns:a="http://schemas.openxmlformats.org/drawingml/2006/main" xmlns:r="http://schemas.openxmlformats.org/officeDocument/2006/relationships" xmlns:p="http://schemas.openxmlformats.org/presentationml/2006/main">
+  <p:cSld>
+    <p:spTree>
+      <p:nvGrpSpPr>
+        <p:cNvPr id="1" name=""/>
+        <p:cNvGrpSpPr/>
+        <p:nvPr/>
+      </p:nvGrpSpPr>
+      <p:grpSpPr>
+        <a:xfrm>
+          <a:off x="0" y="0"/>
+          <a:ext cx="0" cy="0"/>
+          <a:chOff x="0" y="0"/>
+          <a:chExt cx="0" cy="0"/>
+        </a:xfrm>
+      </p:grpSpPr>
+      <p:sp>
+        <p:nvSpPr>
+          <p:cNvPr id="2" name="Title 1">
+            <a:extLst>
+              <a:ext uri="{FF2B5EF4-FFF2-40B4-BE49-F238E27FC236}">
+                <a16:creationId xmlns:a16="http://schemas.microsoft.com/office/drawing/2014/main" id="{0AB41AF5-4B1D-9147-C1E5-8F0CA028F927}"/>
+              </a:ext>
+            </a:extLst>
+          </p:cNvPr>
+          <p:cNvSpPr>
+            <a:spLocks noGrp="1"/>
+          </p:cNvSpPr>
+          <p:nvPr>
+            <p:ph type="title"/>
+          </p:nvPr>
+        </p:nvSpPr>
+        <p:spPr/>
+        <p:txBody>
+          <a:bodyPr/>
+          <a:lstStyle/>
+          <a:p>
+            <a:r>
+              <a:rPr lang="en-JP"/>
+              <a:t>エラーメッセージ</a:t>
+            </a:r>
+          </a:p>
+        </p:txBody>
+      </p:sp>
+      <p:sp>
+        <p:nvSpPr>
+          <p:cNvPr id="3" name="Content Placeholder 2">
+            <a:extLst>
+              <a:ext uri="{FF2B5EF4-FFF2-40B4-BE49-F238E27FC236}">
+                <a16:creationId xmlns:a16="http://schemas.microsoft.com/office/drawing/2014/main" id="{6EA07F42-26B3-A0BB-FFBC-9A1257F266D9}"/>
+              </a:ext>
+            </a:extLst>
+          </p:cNvPr>
+          <p:cNvSpPr>
+            <a:spLocks noGrp="1"/>
+          </p:cNvSpPr>
+          <p:nvPr>
+            <p:ph idx="1"/>
+          </p:nvPr>
+        </p:nvSpPr>
+        <p:spPr/>
+        <p:txBody>
+          <a:bodyPr/>
+          <a:lstStyle/>
+          <a:p>
+            <a:endParaRPr lang="en-JP"/>
+          </a:p>
+        </p:txBody>
+      </p:sp>
+      <p:sp>
+        <p:nvSpPr>
+          <p:cNvPr id="4" name="Slide Number Placeholder 3">
+            <a:extLst>
+              <a:ext uri="{FF2B5EF4-FFF2-40B4-BE49-F238E27FC236}">
+                <a16:creationId xmlns:a16="http://schemas.microsoft.com/office/drawing/2014/main" id="{208F21D1-22A3-915D-988B-38534BF0DF73}"/>
+              </a:ext>
+            </a:extLst>
+          </p:cNvPr>
+          <p:cNvSpPr>
+            <a:spLocks noGrp="1"/>
+          </p:cNvSpPr>
+          <p:nvPr>
+            <p:ph type="sldNum" sz="quarter" idx="12"/>
+          </p:nvPr>
+        </p:nvSpPr>
+        <p:spPr/>
+        <p:txBody>
+          <a:bodyPr/>
+          <a:lstStyle/>
+          <a:p>
+            <a:fld id="{A03ACFBA-5606-4DB7-B196-796E505540AF}" type="slidenum">
+              <a:rPr lang="en-US" smtClean="0"/>
+              <a:pPr/>
+              <a:t>34</a:t>
+            </a:fld>
+            <a:endParaRPr lang="en-US"/>
+          </a:p>
+        </p:txBody>
+      </p:sp>
+    </p:spTree>
+    <p:extLst>
+      <p:ext uri="{BB962C8B-B14F-4D97-AF65-F5344CB8AC3E}">
+        <p14:creationId xmlns:p14="http://schemas.microsoft.com/office/powerpoint/2010/main" val="1365006330"/>
+      </p:ext>
+    </p:extLst>
+  </p:cSld>
+  <p:clrMapOvr>
+    <a:masterClrMapping/>
+  </p:clrMapOvr>
+</p:sld>
+</file>
+
 <file path=ppt/slides/slide4.xml><?xml version="1.0" encoding="utf-8"?>
 <p:sld xmlns:a="http://schemas.openxmlformats.org/drawingml/2006/main" xmlns:r="http://schemas.openxmlformats.org/officeDocument/2006/relationships" xmlns:p="http://schemas.openxmlformats.org/presentationml/2006/main">
   <p:cSld>
@@ -31266,8 +31381,8 @@
           </a:p>
         </p:txBody>
       </p:sp>
-      <mc:AlternateContent xmlns:mc="http://schemas.openxmlformats.org/markup-compatibility/2006">
-        <mc:Choice xmlns:a14="http://schemas.microsoft.com/office/drawing/2010/main" Requires="a14">
+      <mc:AlternateContent xmlns:mc="http://schemas.openxmlformats.org/markup-compatibility/2006" xmlns:a14="http://schemas.microsoft.com/office/drawing/2010/main">
+        <mc:Choice Requires="a14">
           <p:sp>
             <p:nvSpPr>
               <p:cNvPr id="7" name="正方形/長方形 6">
@@ -31454,7 +31569,7 @@
             </p:txBody>
           </p:sp>
         </mc:Choice>
-        <mc:Fallback>
+        <mc:Fallback xmlns="">
           <p:sp>
             <p:nvSpPr>
               <p:cNvPr id="7" name="正方形/長方形 6">
